--- a/modularControl.pptx
+++ b/modularControl.pptx
@@ -4160,7 +4160,7 @@
         <p:spPr>
           <a:xfrm>
             <a:off x="2292794" y="1501199"/>
-            <a:ext cx="1568752" cy="461665"/>
+            <a:ext cx="1568752" cy="400110"/>
           </a:xfrm>
           <a:prstGeom prst="rect">
             <a:avLst/>
@@ -4177,7 +4177,7 @@
           <a:p>
             <a:pPr algn="ctr"/>
             <a:r>
-              <a:rPr lang="en-US" sz="1200" dirty="0" smtClean="0">
+              <a:rPr lang="en-US" sz="1000" dirty="0" smtClean="0">
                 <a:solidFill>
                   <a:srgbClr val="FF0000"/>
                 </a:solidFill>
@@ -4185,7 +4185,7 @@
               <a:t>Gives </a:t>
             </a:r>
             <a:r>
-              <a:rPr lang="en-US" sz="1200" dirty="0" err="1" smtClean="0">
+              <a:rPr lang="en-US" sz="1000" dirty="0" err="1" smtClean="0">
                 <a:solidFill>
                   <a:srgbClr val="FF0000"/>
                 </a:solidFill>
@@ -4193,14 +4193,14 @@
               <a:t>ButtonDownFcn</a:t>
             </a:r>
             <a:r>
-              <a:rPr lang="en-US" sz="1200" dirty="0" smtClean="0">
+              <a:rPr lang="en-US" sz="1000" dirty="0" smtClean="0">
                 <a:solidFill>
                   <a:srgbClr val="FF0000"/>
                 </a:solidFill>
               </a:rPr>
               <a:t> for all figures.</a:t>
             </a:r>
-            <a:endParaRPr lang="en-US" sz="1200" dirty="0">
+            <a:endParaRPr lang="en-US" sz="1000" dirty="0">
               <a:solidFill>
                 <a:srgbClr val="FF0000"/>
               </a:solidFill>
@@ -4217,7 +4217,7 @@
         <p:spPr>
           <a:xfrm>
             <a:off x="6501625" y="1376177"/>
-            <a:ext cx="2082934" cy="461665"/>
+            <a:ext cx="2082934" cy="400110"/>
           </a:xfrm>
           <a:prstGeom prst="rect">
             <a:avLst/>
@@ -4234,7 +4234,7 @@
           <a:p>
             <a:pPr algn="ctr"/>
             <a:r>
-              <a:rPr lang="en-US" sz="1200" dirty="0" smtClean="0">
+              <a:rPr lang="en-US" sz="1000" dirty="0" smtClean="0">
                 <a:solidFill>
                   <a:srgbClr val="FF0000"/>
                 </a:solidFill>
@@ -4242,7 +4242,7 @@
               <a:t>Manages all </a:t>
             </a:r>
             <a:r>
-              <a:rPr lang="en-US" sz="1200" dirty="0" err="1" smtClean="0">
+              <a:rPr lang="en-US" sz="1000" dirty="0" err="1" smtClean="0">
                 <a:solidFill>
                   <a:srgbClr val="FF0000"/>
                 </a:solidFill>
@@ -4250,7 +4250,7 @@
               <a:t>mcAxes</a:t>
             </a:r>
             <a:r>
-              <a:rPr lang="en-US" sz="1200" dirty="0" smtClean="0">
+              <a:rPr lang="en-US" sz="1000" dirty="0" smtClean="0">
                 <a:solidFill>
                   <a:srgbClr val="FF0000"/>
                 </a:solidFill>
@@ -4258,7 +4258,7 @@
               <a:t> and </a:t>
             </a:r>
             <a:r>
-              <a:rPr lang="en-US" sz="1200" dirty="0" err="1" smtClean="0">
+              <a:rPr lang="en-US" sz="1000" dirty="0" err="1" smtClean="0">
                 <a:solidFill>
                   <a:srgbClr val="FF0000"/>
                 </a:solidFill>
@@ -4266,14 +4266,14 @@
               <a:t>mcInputs</a:t>
             </a:r>
             <a:r>
-              <a:rPr lang="en-US" sz="1200" dirty="0" smtClean="0">
+              <a:rPr lang="en-US" sz="1000" dirty="0" smtClean="0">
                 <a:solidFill>
                   <a:srgbClr val="FF0000"/>
                 </a:solidFill>
               </a:rPr>
               <a:t> to prevent repeats</a:t>
             </a:r>
-            <a:endParaRPr lang="en-US" sz="1200" dirty="0">
+            <a:endParaRPr lang="en-US" sz="1000" dirty="0">
               <a:solidFill>
                 <a:srgbClr val="FF0000"/>
               </a:solidFill>
@@ -4290,7 +4290,7 @@
         <p:spPr>
           <a:xfrm>
             <a:off x="4226652" y="1976456"/>
-            <a:ext cx="2082934" cy="276999"/>
+            <a:ext cx="2082934" cy="246221"/>
           </a:xfrm>
           <a:prstGeom prst="rect">
             <a:avLst/>
@@ -4307,7 +4307,7 @@
           <a:p>
             <a:pPr algn="ctr"/>
             <a:r>
-              <a:rPr lang="en-US" sz="1200" dirty="0" smtClean="0">
+              <a:rPr lang="en-US" sz="1000" dirty="0" smtClean="0">
                 <a:solidFill>
                   <a:srgbClr val="FF0000"/>
                 </a:solidFill>
@@ -4315,14 +4315,14 @@
               <a:t>Listens to </a:t>
             </a:r>
             <a:r>
-              <a:rPr lang="en-US" sz="1200" smtClean="0">
+              <a:rPr lang="en-US" sz="1000" smtClean="0">
                 <a:solidFill>
                   <a:srgbClr val="FF0000"/>
                 </a:solidFill>
               </a:rPr>
               <a:t>axis position</a:t>
             </a:r>
-            <a:endParaRPr lang="en-US" sz="1200" dirty="0">
+            <a:endParaRPr lang="en-US" sz="1000" dirty="0">
               <a:solidFill>
                 <a:srgbClr val="FF0000"/>
               </a:solidFill>
@@ -4339,7 +4339,7 @@
         <p:spPr>
           <a:xfrm>
             <a:off x="8743366" y="1976456"/>
-            <a:ext cx="2082934" cy="276999"/>
+            <a:ext cx="2082934" cy="246221"/>
           </a:xfrm>
           <a:prstGeom prst="rect">
             <a:avLst/>
@@ -4356,14 +4356,14 @@
           <a:p>
             <a:pPr algn="ctr"/>
             <a:r>
-              <a:rPr lang="en-US" sz="1200" dirty="0" smtClean="0">
+              <a:rPr lang="en-US" sz="1000" dirty="0" smtClean="0">
                 <a:solidFill>
                   <a:srgbClr val="FF0000"/>
                 </a:solidFill>
               </a:rPr>
               <a:t>Listens to input measurement</a:t>
             </a:r>
-            <a:endParaRPr lang="en-US" sz="1200" dirty="0">
+            <a:endParaRPr lang="en-US" sz="1000" dirty="0">
               <a:solidFill>
                 <a:srgbClr val="FF0000"/>
               </a:solidFill>
@@ -4378,9 +4378,9 @@
           <p:nvPr/>
         </p:nvSpPr>
         <p:spPr>
-          <a:xfrm rot="18357358">
-            <a:off x="4184400" y="2487147"/>
-            <a:ext cx="836734" cy="459851"/>
+          <a:xfrm>
+            <a:off x="4258410" y="2527109"/>
+            <a:ext cx="622219" cy="400110"/>
           </a:xfrm>
           <a:prstGeom prst="rect">
             <a:avLst/>
@@ -4397,14 +4397,14 @@
           <a:p>
             <a:pPr algn="ctr"/>
             <a:r>
-              <a:rPr lang="en-US" sz="1200" smtClean="0">
+              <a:rPr lang="en-US" sz="1000" smtClean="0">
                 <a:solidFill>
                   <a:srgbClr val="FF0000"/>
                 </a:solidFill>
               </a:rPr>
               <a:t>Controls Position</a:t>
             </a:r>
-            <a:endParaRPr lang="en-US" sz="1200" dirty="0">
+            <a:endParaRPr lang="en-US" sz="1000" dirty="0">
               <a:solidFill>
                 <a:srgbClr val="FF0000"/>
               </a:solidFill>
@@ -4420,8 +4420,8 @@
         </p:nvSpPr>
         <p:spPr>
           <a:xfrm>
-            <a:off x="210177" y="2443744"/>
-            <a:ext cx="1204146" cy="461665"/>
+            <a:off x="199667" y="2480608"/>
+            <a:ext cx="1204146" cy="400110"/>
           </a:xfrm>
           <a:prstGeom prst="rect">
             <a:avLst/>
@@ -4438,7 +4438,7 @@
           <a:p>
             <a:pPr algn="ctr"/>
             <a:r>
-              <a:rPr lang="en-US" sz="1200" dirty="0" smtClean="0">
+              <a:rPr lang="en-US" sz="1000" dirty="0" smtClean="0">
                 <a:solidFill>
                   <a:srgbClr val="FF0000"/>
                 </a:solidFill>
@@ -4449,14 +4449,14 @@
           <a:p>
             <a:pPr algn="ctr"/>
             <a:r>
-              <a:rPr lang="en-US" sz="1200" dirty="0" smtClean="0">
+              <a:rPr lang="en-US" sz="1000" dirty="0" smtClean="0">
                 <a:solidFill>
                   <a:srgbClr val="FF0000"/>
                 </a:solidFill>
               </a:rPr>
               <a:t>Joystick Input</a:t>
             </a:r>
-            <a:endParaRPr lang="en-US" sz="1200" dirty="0">
+            <a:endParaRPr lang="en-US" sz="1000" dirty="0">
               <a:solidFill>
                 <a:srgbClr val="FF0000"/>
               </a:solidFill>
@@ -4543,9 +4543,9 @@
           <p:nvPr/>
         </p:nvSpPr>
         <p:spPr>
-          <a:xfrm rot="1780362">
-            <a:off x="3914753" y="3009017"/>
-            <a:ext cx="1119192" cy="646331"/>
+          <a:xfrm>
+            <a:off x="4021135" y="2974393"/>
+            <a:ext cx="880306" cy="553998"/>
           </a:xfrm>
           <a:prstGeom prst="rect">
             <a:avLst/>
@@ -4562,7 +4562,7 @@
           <a:p>
             <a:pPr algn="ctr"/>
             <a:r>
-              <a:rPr lang="en-US" sz="1200" dirty="0" smtClean="0">
+              <a:rPr lang="en-US" sz="1000" dirty="0" smtClean="0">
                 <a:solidFill>
                   <a:srgbClr val="FF0000"/>
                 </a:solidFill>
@@ -4570,14 +4570,14 @@
               <a:t>Listens to and stores </a:t>
             </a:r>
             <a:r>
-              <a:rPr lang="en-US" sz="1200" smtClean="0">
+              <a:rPr lang="en-US" sz="1000" smtClean="0">
                 <a:solidFill>
                   <a:srgbClr val="FF0000"/>
                 </a:solidFill>
               </a:rPr>
               <a:t>axis positions</a:t>
             </a:r>
-            <a:endParaRPr lang="en-US" sz="1200" dirty="0">
+            <a:endParaRPr lang="en-US" sz="1000" dirty="0">
               <a:solidFill>
                 <a:srgbClr val="FF0000"/>
               </a:solidFill>
@@ -4592,9 +4592,9 @@
           <p:nvPr/>
         </p:nvSpPr>
         <p:spPr>
-          <a:xfrm rot="19682132">
-            <a:off x="3456658" y="4101895"/>
-            <a:ext cx="1566025" cy="461665"/>
+          <a:xfrm>
+            <a:off x="3142451" y="4199648"/>
+            <a:ext cx="1807397" cy="246221"/>
           </a:xfrm>
           <a:prstGeom prst="rect">
             <a:avLst/>
@@ -4611,14 +4611,14 @@
           <a:p>
             <a:pPr algn="ctr"/>
             <a:r>
-              <a:rPr lang="en-US" sz="1200" dirty="0" smtClean="0">
+              <a:rPr lang="en-US" sz="1000" dirty="0" smtClean="0">
                 <a:solidFill>
                   <a:srgbClr val="FF0000"/>
                 </a:solidFill>
               </a:rPr>
               <a:t>Uses waypoints to build a grid</a:t>
             </a:r>
-            <a:endParaRPr lang="en-US" sz="1200" dirty="0">
+            <a:endParaRPr lang="en-US" sz="1000" dirty="0">
               <a:solidFill>
                 <a:srgbClr val="FF0000"/>
               </a:solidFill>
@@ -4635,7 +4635,7 @@
         <p:spPr>
           <a:xfrm>
             <a:off x="6801914" y="4377983"/>
-            <a:ext cx="1566025" cy="276999"/>
+            <a:ext cx="1566025" cy="246221"/>
           </a:xfrm>
           <a:prstGeom prst="rect">
             <a:avLst/>
@@ -4652,14 +4652,14 @@
           <a:p>
             <a:pPr algn="ctr"/>
             <a:r>
-              <a:rPr lang="en-US" sz="1200" smtClean="0">
+              <a:rPr lang="en-US" sz="1000" smtClean="0">
                 <a:solidFill>
                   <a:srgbClr val="FF0000"/>
                 </a:solidFill>
               </a:rPr>
               <a:t>Executes scan.</a:t>
             </a:r>
-            <a:endParaRPr lang="en-US" sz="1200" dirty="0">
+            <a:endParaRPr lang="en-US" sz="1000" dirty="0">
               <a:solidFill>
                 <a:srgbClr val="FF0000"/>
               </a:solidFill>
@@ -4676,7 +4676,7 @@
         <p:spPr>
           <a:xfrm>
             <a:off x="6164516" y="5616774"/>
-            <a:ext cx="1212216" cy="461665"/>
+            <a:ext cx="1212216" cy="400110"/>
           </a:xfrm>
           <a:prstGeom prst="rect">
             <a:avLst/>
@@ -4693,7 +4693,7 @@
           <a:p>
             <a:pPr algn="ctr"/>
             <a:r>
-              <a:rPr lang="en-US" sz="1200" dirty="0" smtClean="0">
+              <a:rPr lang="en-US" sz="1000" dirty="0" smtClean="0">
                 <a:solidFill>
                   <a:srgbClr val="FF0000"/>
                 </a:solidFill>
@@ -4701,14 +4701,14 @@
               <a:t>Pauses/saves </a:t>
             </a:r>
             <a:r>
-              <a:rPr lang="en-US" sz="1200" smtClean="0">
+              <a:rPr lang="en-US" sz="1000" smtClean="0">
                 <a:solidFill>
                   <a:srgbClr val="FF0000"/>
                 </a:solidFill>
               </a:rPr>
               <a:t>data acquisition.</a:t>
             </a:r>
-            <a:endParaRPr lang="en-US" sz="1200" dirty="0">
+            <a:endParaRPr lang="en-US" sz="1000" dirty="0">
               <a:solidFill>
                 <a:srgbClr val="FF0000"/>
               </a:solidFill>
@@ -4725,7 +4725,7 @@
         <p:spPr>
           <a:xfrm>
             <a:off x="7509499" y="5627078"/>
-            <a:ext cx="1566025" cy="461665"/>
+            <a:ext cx="1566025" cy="400110"/>
           </a:xfrm>
           <a:prstGeom prst="rect">
             <a:avLst/>
@@ -4742,7 +4742,7 @@
           <a:p>
             <a:pPr algn="ctr"/>
             <a:r>
-              <a:rPr lang="en-US" sz="1200" dirty="0" smtClean="0">
+              <a:rPr lang="en-US" sz="1000" dirty="0" smtClean="0">
                 <a:solidFill>
                   <a:srgbClr val="FF0000"/>
                 </a:solidFill>
@@ -4750,7 +4750,7 @@
               <a:t>Processes ND data into 1D, 2D, </a:t>
             </a:r>
             <a:r>
-              <a:rPr lang="en-US" sz="1200" dirty="0" err="1" smtClean="0">
+              <a:rPr lang="en-US" sz="1000" dirty="0" err="1" smtClean="0">
                 <a:solidFill>
                   <a:srgbClr val="FF0000"/>
                 </a:solidFill>
@@ -4758,14 +4758,14 @@
               <a:t>etc</a:t>
             </a:r>
             <a:r>
-              <a:rPr lang="en-US" sz="1200" dirty="0" smtClean="0">
+              <a:rPr lang="en-US" sz="1000" dirty="0" smtClean="0">
                 <a:solidFill>
                   <a:srgbClr val="FF0000"/>
                 </a:solidFill>
               </a:rPr>
               <a:t> data</a:t>
             </a:r>
-            <a:endParaRPr lang="en-US" sz="1200" dirty="0">
+            <a:endParaRPr lang="en-US" sz="1000" dirty="0">
               <a:solidFill>
                 <a:srgbClr val="FF0000"/>
               </a:solidFill>
@@ -4780,9 +4780,9 @@
           <p:nvPr/>
         </p:nvSpPr>
         <p:spPr>
-          <a:xfrm rot="18114898">
-            <a:off x="7076979" y="6112961"/>
-            <a:ext cx="895744" cy="646331"/>
+          <a:xfrm>
+            <a:off x="7156038" y="6159128"/>
+            <a:ext cx="748040" cy="553998"/>
           </a:xfrm>
           <a:prstGeom prst="rect">
             <a:avLst/>
@@ -4799,7 +4799,7 @@
           <a:p>
             <a:pPr algn="ctr"/>
             <a:r>
-              <a:rPr lang="en-US" sz="1200" smtClean="0">
+              <a:rPr lang="en-US" sz="1000" smtClean="0">
                 <a:solidFill>
                   <a:srgbClr val="FF0000"/>
                 </a:solidFill>
@@ -4807,14 +4807,14 @@
               <a:t>Displays processed </a:t>
             </a:r>
             <a:r>
-              <a:rPr lang="en-US" sz="1200" dirty="0" smtClean="0">
+              <a:rPr lang="en-US" sz="1000" dirty="0" smtClean="0">
                 <a:solidFill>
                   <a:srgbClr val="FF0000"/>
                 </a:solidFill>
               </a:rPr>
               <a:t>data</a:t>
             </a:r>
-            <a:endParaRPr lang="en-US" sz="1200" dirty="0">
+            <a:endParaRPr lang="en-US" sz="1000" dirty="0">
               <a:solidFill>
                 <a:srgbClr val="FF0000"/>
               </a:solidFill>
@@ -4831,7 +4831,7 @@
         <p:spPr>
           <a:xfrm>
             <a:off x="4742105" y="3510076"/>
-            <a:ext cx="1412507" cy="646331"/>
+            <a:ext cx="1412507" cy="400110"/>
           </a:xfrm>
           <a:prstGeom prst="rect">
             <a:avLst/>
@@ -4848,7 +4848,7 @@
           <a:p>
             <a:pPr algn="ctr"/>
             <a:r>
-              <a:rPr lang="en-US" sz="1200" dirty="0" smtClean="0">
+              <a:rPr lang="en-US" sz="1000" dirty="0" smtClean="0">
                 <a:solidFill>
                   <a:srgbClr val="FF0000"/>
                 </a:solidFill>
@@ -4856,7 +4856,7 @@
               <a:t>Makes ‘virtual’ </a:t>
             </a:r>
             <a:r>
-              <a:rPr lang="en-US" sz="1200" dirty="0" err="1" smtClean="0">
+              <a:rPr lang="en-US" sz="1000" dirty="0" err="1" smtClean="0">
                 <a:solidFill>
                   <a:srgbClr val="FF0000"/>
                 </a:solidFill>
@@ -4864,14 +4864,14 @@
               <a:t>mcAxes</a:t>
             </a:r>
             <a:r>
-              <a:rPr lang="en-US" sz="1200" dirty="0" smtClean="0">
+              <a:rPr lang="en-US" sz="1000" dirty="0" smtClean="0">
                 <a:solidFill>
                   <a:srgbClr val="FF0000"/>
                 </a:solidFill>
               </a:rPr>
               <a:t> that traverse grid</a:t>
             </a:r>
-            <a:endParaRPr lang="en-US" sz="1200" dirty="0">
+            <a:endParaRPr lang="en-US" sz="1000" dirty="0">
               <a:solidFill>
                 <a:srgbClr val="FF0000"/>
               </a:solidFill>
@@ -4888,7 +4888,7 @@
         <p:spPr>
           <a:xfrm>
             <a:off x="5832659" y="3197549"/>
-            <a:ext cx="3984719" cy="276999"/>
+            <a:ext cx="3984719" cy="246221"/>
           </a:xfrm>
           <a:prstGeom prst="rect">
             <a:avLst/>
@@ -4905,7 +4905,7 @@
           <a:p>
             <a:pPr algn="ctr"/>
             <a:r>
-              <a:rPr lang="en-US" sz="1200" dirty="0" smtClean="0">
+              <a:rPr lang="en-US" sz="1000" dirty="0" smtClean="0">
                 <a:solidFill>
                   <a:srgbClr val="FF0000"/>
                 </a:solidFill>
@@ -4913,7 +4913,7 @@
               <a:t>Plans scan based on moving </a:t>
             </a:r>
             <a:r>
-              <a:rPr lang="en-US" sz="1200" dirty="0" err="1" smtClean="0">
+              <a:rPr lang="en-US" sz="1000" dirty="0" err="1" smtClean="0">
                 <a:solidFill>
                   <a:srgbClr val="FF0000"/>
                 </a:solidFill>
@@ -4921,7 +4921,7 @@
               <a:t>mcAxes</a:t>
             </a:r>
             <a:r>
-              <a:rPr lang="en-US" sz="1200" dirty="0" smtClean="0">
+              <a:rPr lang="en-US" sz="1000" dirty="0" smtClean="0">
                 <a:solidFill>
                   <a:srgbClr val="FF0000"/>
                 </a:solidFill>
@@ -4929,7 +4929,7 @@
               <a:t> and reading </a:t>
             </a:r>
             <a:r>
-              <a:rPr lang="en-US" sz="1200" dirty="0" err="1" smtClean="0">
+              <a:rPr lang="en-US" sz="1000" dirty="0" err="1" smtClean="0">
                 <a:solidFill>
                   <a:srgbClr val="FF0000"/>
                 </a:solidFill>
@@ -4937,14 +4937,14 @@
               <a:t>mcInputs</a:t>
             </a:r>
             <a:r>
-              <a:rPr lang="en-US" sz="1200" dirty="0" smtClean="0">
+              <a:rPr lang="en-US" sz="1000" dirty="0" smtClean="0">
                 <a:solidFill>
                   <a:srgbClr val="FF0000"/>
                 </a:solidFill>
               </a:rPr>
               <a:t> </a:t>
             </a:r>
-            <a:endParaRPr lang="en-US" sz="1200" dirty="0">
+            <a:endParaRPr lang="en-US" sz="1000" dirty="0">
               <a:solidFill>
                 <a:srgbClr val="FF0000"/>
               </a:solidFill>
